--- a/picture/soc结构.pptx
+++ b/picture/soc结构.pptx
@@ -6,6 +6,7 @@
   </p:sldMasterIdLst>
   <p:sldIdLst>
     <p:sldId id="256" r:id="rId2"/>
+    <p:sldId id="257" r:id="rId3"/>
   </p:sldIdLst>
   <p:sldSz cx="12192000" cy="6858000"/>
   <p:notesSz cx="6858000" cy="9144000"/>
@@ -259,7 +260,7 @@
           <a:p>
             <a:fld id="{DA497C4C-D847-45F1-8D33-4EFB45249835}" type="datetimeFigureOut">
               <a:rPr lang="zh-CN" altLang="en-US" smtClean="0"/>
-              <a:t>2021/3/31</a:t>
+              <a:t>2021/4/1</a:t>
             </a:fld>
             <a:endParaRPr lang="zh-CN" altLang="en-US"/>
           </a:p>
@@ -457,7 +458,7 @@
           <a:p>
             <a:fld id="{DA497C4C-D847-45F1-8D33-4EFB45249835}" type="datetimeFigureOut">
               <a:rPr lang="zh-CN" altLang="en-US" smtClean="0"/>
-              <a:t>2021/3/31</a:t>
+              <a:t>2021/4/1</a:t>
             </a:fld>
             <a:endParaRPr lang="zh-CN" altLang="en-US"/>
           </a:p>
@@ -665,7 +666,7 @@
           <a:p>
             <a:fld id="{DA497C4C-D847-45F1-8D33-4EFB45249835}" type="datetimeFigureOut">
               <a:rPr lang="zh-CN" altLang="en-US" smtClean="0"/>
-              <a:t>2021/3/31</a:t>
+              <a:t>2021/4/1</a:t>
             </a:fld>
             <a:endParaRPr lang="zh-CN" altLang="en-US"/>
           </a:p>
@@ -863,7 +864,7 @@
           <a:p>
             <a:fld id="{DA497C4C-D847-45F1-8D33-4EFB45249835}" type="datetimeFigureOut">
               <a:rPr lang="zh-CN" altLang="en-US" smtClean="0"/>
-              <a:t>2021/3/31</a:t>
+              <a:t>2021/4/1</a:t>
             </a:fld>
             <a:endParaRPr lang="zh-CN" altLang="en-US"/>
           </a:p>
@@ -1138,7 +1139,7 @@
           <a:p>
             <a:fld id="{DA497C4C-D847-45F1-8D33-4EFB45249835}" type="datetimeFigureOut">
               <a:rPr lang="zh-CN" altLang="en-US" smtClean="0"/>
-              <a:t>2021/3/31</a:t>
+              <a:t>2021/4/1</a:t>
             </a:fld>
             <a:endParaRPr lang="zh-CN" altLang="en-US"/>
           </a:p>
@@ -1403,7 +1404,7 @@
           <a:p>
             <a:fld id="{DA497C4C-D847-45F1-8D33-4EFB45249835}" type="datetimeFigureOut">
               <a:rPr lang="zh-CN" altLang="en-US" smtClean="0"/>
-              <a:t>2021/3/31</a:t>
+              <a:t>2021/4/1</a:t>
             </a:fld>
             <a:endParaRPr lang="zh-CN" altLang="en-US"/>
           </a:p>
@@ -1815,7 +1816,7 @@
           <a:p>
             <a:fld id="{DA497C4C-D847-45F1-8D33-4EFB45249835}" type="datetimeFigureOut">
               <a:rPr lang="zh-CN" altLang="en-US" smtClean="0"/>
-              <a:t>2021/3/31</a:t>
+              <a:t>2021/4/1</a:t>
             </a:fld>
             <a:endParaRPr lang="zh-CN" altLang="en-US"/>
           </a:p>
@@ -1956,7 +1957,7 @@
           <a:p>
             <a:fld id="{DA497C4C-D847-45F1-8D33-4EFB45249835}" type="datetimeFigureOut">
               <a:rPr lang="zh-CN" altLang="en-US" smtClean="0"/>
-              <a:t>2021/3/31</a:t>
+              <a:t>2021/4/1</a:t>
             </a:fld>
             <a:endParaRPr lang="zh-CN" altLang="en-US"/>
           </a:p>
@@ -2069,7 +2070,7 @@
           <a:p>
             <a:fld id="{DA497C4C-D847-45F1-8D33-4EFB45249835}" type="datetimeFigureOut">
               <a:rPr lang="zh-CN" altLang="en-US" smtClean="0"/>
-              <a:t>2021/3/31</a:t>
+              <a:t>2021/4/1</a:t>
             </a:fld>
             <a:endParaRPr lang="zh-CN" altLang="en-US"/>
           </a:p>
@@ -2380,7 +2381,7 @@
           <a:p>
             <a:fld id="{DA497C4C-D847-45F1-8D33-4EFB45249835}" type="datetimeFigureOut">
               <a:rPr lang="zh-CN" altLang="en-US" smtClean="0"/>
-              <a:t>2021/3/31</a:t>
+              <a:t>2021/4/1</a:t>
             </a:fld>
             <a:endParaRPr lang="zh-CN" altLang="en-US"/>
           </a:p>
@@ -2668,7 +2669,7 @@
           <a:p>
             <a:fld id="{DA497C4C-D847-45F1-8D33-4EFB45249835}" type="datetimeFigureOut">
               <a:rPr lang="zh-CN" altLang="en-US" smtClean="0"/>
-              <a:t>2021/3/31</a:t>
+              <a:t>2021/4/1</a:t>
             </a:fld>
             <a:endParaRPr lang="zh-CN" altLang="en-US"/>
           </a:p>
@@ -2909,7 +2910,7 @@
           <a:p>
             <a:fld id="{DA497C4C-D847-45F1-8D33-4EFB45249835}" type="datetimeFigureOut">
               <a:rPr lang="zh-CN" altLang="en-US" smtClean="0"/>
-              <a:t>2021/3/31</a:t>
+              <a:t>2021/4/1</a:t>
             </a:fld>
             <a:endParaRPr lang="zh-CN" altLang="en-US"/>
           </a:p>
@@ -4575,6 +4576,1028 @@
 </p:sld>
 </file>
 
+<file path=ppt/slides/slide2.xml><?xml version="1.0" encoding="utf-8"?>
+<p:sld xmlns:a="http://schemas.openxmlformats.org/drawingml/2006/main" xmlns:r="http://schemas.openxmlformats.org/officeDocument/2006/relationships" xmlns:p="http://schemas.openxmlformats.org/presentationml/2006/main">
+  <p:cSld>
+    <p:spTree>
+      <p:nvGrpSpPr>
+        <p:cNvPr id="1" name=""/>
+        <p:cNvGrpSpPr/>
+        <p:nvPr/>
+      </p:nvGrpSpPr>
+      <p:grpSpPr>
+        <a:xfrm>
+          <a:off x="0" y="0"/>
+          <a:ext cx="0" cy="0"/>
+          <a:chOff x="0" y="0"/>
+          <a:chExt cx="0" cy="0"/>
+        </a:xfrm>
+      </p:grpSpPr>
+      <p:sp>
+        <p:nvSpPr>
+          <p:cNvPr id="2" name="矩形 1">
+            <a:extLst>
+              <a:ext uri="{FF2B5EF4-FFF2-40B4-BE49-F238E27FC236}">
+                <a16:creationId xmlns:a16="http://schemas.microsoft.com/office/drawing/2014/main" id="{3D0121C9-BEA6-406C-91D7-A0B39C93D9CC}"/>
+              </a:ext>
+            </a:extLst>
+          </p:cNvPr>
+          <p:cNvSpPr/>
+          <p:nvPr/>
+        </p:nvSpPr>
+        <p:spPr>
+          <a:xfrm>
+            <a:off x="1934093" y="952243"/>
+            <a:ext cx="612000" cy="612000"/>
+          </a:xfrm>
+          <a:prstGeom prst="rect">
+            <a:avLst/>
+          </a:prstGeom>
+          <a:noFill/>
+          <a:ln>
+            <a:solidFill>
+              <a:schemeClr val="tx1"/>
+            </a:solidFill>
+          </a:ln>
+        </p:spPr>
+        <p:style>
+          <a:lnRef idx="2">
+            <a:schemeClr val="accent1">
+              <a:shade val="50000"/>
+            </a:schemeClr>
+          </a:lnRef>
+          <a:fillRef idx="1">
+            <a:schemeClr val="accent1"/>
+          </a:fillRef>
+          <a:effectRef idx="0">
+            <a:schemeClr val="accent1"/>
+          </a:effectRef>
+          <a:fontRef idx="minor">
+            <a:schemeClr val="lt1"/>
+          </a:fontRef>
+        </p:style>
+        <p:txBody>
+          <a:bodyPr rtlCol="0" anchor="ctr"/>
+          <a:lstStyle/>
+          <a:p>
+            <a:pPr algn="ctr"/>
+            <a:r>
+              <a:rPr lang="en-US" altLang="zh-CN" sz="2000" dirty="0">
+                <a:solidFill>
+                  <a:schemeClr val="tx1"/>
+                </a:solidFill>
+                <a:latin typeface="Times New Roman" panose="02020603050405020304" pitchFamily="18" charset="0"/>
+                <a:ea typeface="宋体" panose="02010600030101010101" pitchFamily="2" charset="-122"/>
+                <a:cs typeface="Times New Roman" panose="02020603050405020304" pitchFamily="18" charset="0"/>
+              </a:rPr>
+              <a:t>S0</a:t>
+            </a:r>
+            <a:endParaRPr lang="zh-CN" altLang="en-US" sz="2000" dirty="0">
+              <a:solidFill>
+                <a:schemeClr val="tx1"/>
+              </a:solidFill>
+              <a:latin typeface="Times New Roman" panose="02020603050405020304" pitchFamily="18" charset="0"/>
+              <a:ea typeface="宋体" panose="02010600030101010101" pitchFamily="2" charset="-122"/>
+              <a:cs typeface="Times New Roman" panose="02020603050405020304" pitchFamily="18" charset="0"/>
+            </a:endParaRPr>
+          </a:p>
+        </p:txBody>
+      </p:sp>
+      <p:sp>
+        <p:nvSpPr>
+          <p:cNvPr id="3" name="矩形 2">
+            <a:extLst>
+              <a:ext uri="{FF2B5EF4-FFF2-40B4-BE49-F238E27FC236}">
+                <a16:creationId xmlns:a16="http://schemas.microsoft.com/office/drawing/2014/main" id="{7153057B-E376-4142-BC70-4208396FE0FD}"/>
+              </a:ext>
+            </a:extLst>
+          </p:cNvPr>
+          <p:cNvSpPr/>
+          <p:nvPr/>
+        </p:nvSpPr>
+        <p:spPr>
+          <a:xfrm>
+            <a:off x="3286643" y="952243"/>
+            <a:ext cx="612000" cy="612000"/>
+          </a:xfrm>
+          <a:prstGeom prst="rect">
+            <a:avLst/>
+          </a:prstGeom>
+          <a:noFill/>
+          <a:ln>
+            <a:solidFill>
+              <a:schemeClr val="tx1"/>
+            </a:solidFill>
+          </a:ln>
+        </p:spPr>
+        <p:style>
+          <a:lnRef idx="2">
+            <a:schemeClr val="accent1">
+              <a:shade val="50000"/>
+            </a:schemeClr>
+          </a:lnRef>
+          <a:fillRef idx="1">
+            <a:schemeClr val="accent1"/>
+          </a:fillRef>
+          <a:effectRef idx="0">
+            <a:schemeClr val="accent1"/>
+          </a:effectRef>
+          <a:fontRef idx="minor">
+            <a:schemeClr val="lt1"/>
+          </a:fontRef>
+        </p:style>
+        <p:txBody>
+          <a:bodyPr rtlCol="0" anchor="ctr"/>
+          <a:lstStyle/>
+          <a:p>
+            <a:pPr algn="ctr"/>
+            <a:r>
+              <a:rPr lang="en-US" altLang="zh-CN" sz="2000" dirty="0">
+                <a:solidFill>
+                  <a:schemeClr val="tx1"/>
+                </a:solidFill>
+                <a:latin typeface="Times New Roman" panose="02020603050405020304" pitchFamily="18" charset="0"/>
+                <a:ea typeface="宋体" panose="02010600030101010101" pitchFamily="2" charset="-122"/>
+                <a:cs typeface="Times New Roman" panose="02020603050405020304" pitchFamily="18" charset="0"/>
+              </a:rPr>
+              <a:t>S1</a:t>
+            </a:r>
+            <a:endParaRPr lang="zh-CN" altLang="en-US" sz="2000" dirty="0">
+              <a:solidFill>
+                <a:schemeClr val="tx1"/>
+              </a:solidFill>
+              <a:latin typeface="Times New Roman" panose="02020603050405020304" pitchFamily="18" charset="0"/>
+              <a:ea typeface="宋体" panose="02010600030101010101" pitchFamily="2" charset="-122"/>
+              <a:cs typeface="Times New Roman" panose="02020603050405020304" pitchFamily="18" charset="0"/>
+            </a:endParaRPr>
+          </a:p>
+        </p:txBody>
+      </p:sp>
+      <p:sp>
+        <p:nvSpPr>
+          <p:cNvPr id="4" name="矩形 3">
+            <a:extLst>
+              <a:ext uri="{FF2B5EF4-FFF2-40B4-BE49-F238E27FC236}">
+                <a16:creationId xmlns:a16="http://schemas.microsoft.com/office/drawing/2014/main" id="{F4B49F51-350E-4512-86E2-847C8C00C38D}"/>
+              </a:ext>
+            </a:extLst>
+          </p:cNvPr>
+          <p:cNvSpPr/>
+          <p:nvPr/>
+        </p:nvSpPr>
+        <p:spPr>
+          <a:xfrm>
+            <a:off x="4639193" y="952243"/>
+            <a:ext cx="612000" cy="612000"/>
+          </a:xfrm>
+          <a:prstGeom prst="rect">
+            <a:avLst/>
+          </a:prstGeom>
+          <a:noFill/>
+          <a:ln>
+            <a:solidFill>
+              <a:schemeClr val="tx1"/>
+            </a:solidFill>
+          </a:ln>
+        </p:spPr>
+        <p:style>
+          <a:lnRef idx="2">
+            <a:schemeClr val="accent1">
+              <a:shade val="50000"/>
+            </a:schemeClr>
+          </a:lnRef>
+          <a:fillRef idx="1">
+            <a:schemeClr val="accent1"/>
+          </a:fillRef>
+          <a:effectRef idx="0">
+            <a:schemeClr val="accent1"/>
+          </a:effectRef>
+          <a:fontRef idx="minor">
+            <a:schemeClr val="lt1"/>
+          </a:fontRef>
+        </p:style>
+        <p:txBody>
+          <a:bodyPr rtlCol="0" anchor="ctr"/>
+          <a:lstStyle/>
+          <a:p>
+            <a:pPr algn="ctr"/>
+            <a:r>
+              <a:rPr lang="en-US" altLang="zh-CN" sz="2000" dirty="0">
+                <a:solidFill>
+                  <a:schemeClr val="tx1"/>
+                </a:solidFill>
+                <a:latin typeface="Times New Roman" panose="02020603050405020304" pitchFamily="18" charset="0"/>
+                <a:ea typeface="宋体" panose="02010600030101010101" pitchFamily="2" charset="-122"/>
+                <a:cs typeface="Times New Roman" panose="02020603050405020304" pitchFamily="18" charset="0"/>
+              </a:rPr>
+              <a:t>S2</a:t>
+            </a:r>
+            <a:endParaRPr lang="zh-CN" altLang="en-US" sz="2000" dirty="0">
+              <a:solidFill>
+                <a:schemeClr val="tx1"/>
+              </a:solidFill>
+              <a:latin typeface="Times New Roman" panose="02020603050405020304" pitchFamily="18" charset="0"/>
+              <a:ea typeface="宋体" panose="02010600030101010101" pitchFamily="2" charset="-122"/>
+              <a:cs typeface="Times New Roman" panose="02020603050405020304" pitchFamily="18" charset="0"/>
+            </a:endParaRPr>
+          </a:p>
+        </p:txBody>
+      </p:sp>
+      <p:sp>
+        <p:nvSpPr>
+          <p:cNvPr id="5" name="矩形 4">
+            <a:extLst>
+              <a:ext uri="{FF2B5EF4-FFF2-40B4-BE49-F238E27FC236}">
+                <a16:creationId xmlns:a16="http://schemas.microsoft.com/office/drawing/2014/main" id="{8FB7EBE5-C20D-4DB6-A096-FFC14CF49F7F}"/>
+              </a:ext>
+            </a:extLst>
+          </p:cNvPr>
+          <p:cNvSpPr/>
+          <p:nvPr/>
+        </p:nvSpPr>
+        <p:spPr>
+          <a:xfrm>
+            <a:off x="1934093" y="2542918"/>
+            <a:ext cx="612000" cy="612000"/>
+          </a:xfrm>
+          <a:prstGeom prst="rect">
+            <a:avLst/>
+          </a:prstGeom>
+          <a:noFill/>
+          <a:ln>
+            <a:solidFill>
+              <a:schemeClr val="tx1"/>
+            </a:solidFill>
+          </a:ln>
+        </p:spPr>
+        <p:style>
+          <a:lnRef idx="2">
+            <a:schemeClr val="accent1">
+              <a:shade val="50000"/>
+            </a:schemeClr>
+          </a:lnRef>
+          <a:fillRef idx="1">
+            <a:schemeClr val="accent1"/>
+          </a:fillRef>
+          <a:effectRef idx="0">
+            <a:schemeClr val="accent1"/>
+          </a:effectRef>
+          <a:fontRef idx="minor">
+            <a:schemeClr val="lt1"/>
+          </a:fontRef>
+        </p:style>
+        <p:txBody>
+          <a:bodyPr rtlCol="0" anchor="ctr"/>
+          <a:lstStyle/>
+          <a:p>
+            <a:pPr algn="ctr"/>
+            <a:r>
+              <a:rPr lang="en-US" altLang="zh-CN" sz="2000" dirty="0">
+                <a:solidFill>
+                  <a:schemeClr val="tx1"/>
+                </a:solidFill>
+                <a:latin typeface="Times New Roman" panose="02020603050405020304" pitchFamily="18" charset="0"/>
+                <a:ea typeface="宋体" panose="02010600030101010101" pitchFamily="2" charset="-122"/>
+                <a:cs typeface="Times New Roman" panose="02020603050405020304" pitchFamily="18" charset="0"/>
+              </a:rPr>
+              <a:t>M0</a:t>
+            </a:r>
+            <a:endParaRPr lang="zh-CN" altLang="en-US" sz="2000" dirty="0">
+              <a:solidFill>
+                <a:schemeClr val="tx1"/>
+              </a:solidFill>
+              <a:latin typeface="Times New Roman" panose="02020603050405020304" pitchFamily="18" charset="0"/>
+              <a:ea typeface="宋体" panose="02010600030101010101" pitchFamily="2" charset="-122"/>
+              <a:cs typeface="Times New Roman" panose="02020603050405020304" pitchFamily="18" charset="0"/>
+            </a:endParaRPr>
+          </a:p>
+        </p:txBody>
+      </p:sp>
+      <p:sp>
+        <p:nvSpPr>
+          <p:cNvPr id="6" name="矩形 5">
+            <a:extLst>
+              <a:ext uri="{FF2B5EF4-FFF2-40B4-BE49-F238E27FC236}">
+                <a16:creationId xmlns:a16="http://schemas.microsoft.com/office/drawing/2014/main" id="{887EE124-661A-4CDB-84BB-C786E9B1336F}"/>
+              </a:ext>
+            </a:extLst>
+          </p:cNvPr>
+          <p:cNvSpPr/>
+          <p:nvPr/>
+        </p:nvSpPr>
+        <p:spPr>
+          <a:xfrm>
+            <a:off x="3286643" y="2542918"/>
+            <a:ext cx="612000" cy="612000"/>
+          </a:xfrm>
+          <a:prstGeom prst="rect">
+            <a:avLst/>
+          </a:prstGeom>
+          <a:noFill/>
+          <a:ln>
+            <a:solidFill>
+              <a:schemeClr val="tx1"/>
+            </a:solidFill>
+          </a:ln>
+        </p:spPr>
+        <p:style>
+          <a:lnRef idx="2">
+            <a:schemeClr val="accent1">
+              <a:shade val="50000"/>
+            </a:schemeClr>
+          </a:lnRef>
+          <a:fillRef idx="1">
+            <a:schemeClr val="accent1"/>
+          </a:fillRef>
+          <a:effectRef idx="0">
+            <a:schemeClr val="accent1"/>
+          </a:effectRef>
+          <a:fontRef idx="minor">
+            <a:schemeClr val="lt1"/>
+          </a:fontRef>
+        </p:style>
+        <p:txBody>
+          <a:bodyPr rtlCol="0" anchor="ctr"/>
+          <a:lstStyle/>
+          <a:p>
+            <a:pPr algn="ctr"/>
+            <a:r>
+              <a:rPr lang="en-US" altLang="zh-CN" sz="2000" dirty="0">
+                <a:solidFill>
+                  <a:schemeClr val="tx1"/>
+                </a:solidFill>
+                <a:latin typeface="Times New Roman" panose="02020603050405020304" pitchFamily="18" charset="0"/>
+                <a:ea typeface="宋体" panose="02010600030101010101" pitchFamily="2" charset="-122"/>
+                <a:cs typeface="Times New Roman" panose="02020603050405020304" pitchFamily="18" charset="0"/>
+              </a:rPr>
+              <a:t>M1</a:t>
+            </a:r>
+            <a:endParaRPr lang="zh-CN" altLang="en-US" sz="2000" dirty="0">
+              <a:solidFill>
+                <a:schemeClr val="tx1"/>
+              </a:solidFill>
+              <a:latin typeface="Times New Roman" panose="02020603050405020304" pitchFamily="18" charset="0"/>
+              <a:ea typeface="宋体" panose="02010600030101010101" pitchFamily="2" charset="-122"/>
+              <a:cs typeface="Times New Roman" panose="02020603050405020304" pitchFamily="18" charset="0"/>
+            </a:endParaRPr>
+          </a:p>
+        </p:txBody>
+      </p:sp>
+      <p:sp>
+        <p:nvSpPr>
+          <p:cNvPr id="7" name="矩形 6">
+            <a:extLst>
+              <a:ext uri="{FF2B5EF4-FFF2-40B4-BE49-F238E27FC236}">
+                <a16:creationId xmlns:a16="http://schemas.microsoft.com/office/drawing/2014/main" id="{BF469029-0B7E-4195-889E-BEEC4F66C9A7}"/>
+              </a:ext>
+            </a:extLst>
+          </p:cNvPr>
+          <p:cNvSpPr/>
+          <p:nvPr/>
+        </p:nvSpPr>
+        <p:spPr>
+          <a:xfrm>
+            <a:off x="4639193" y="2542918"/>
+            <a:ext cx="612000" cy="612000"/>
+          </a:xfrm>
+          <a:prstGeom prst="rect">
+            <a:avLst/>
+          </a:prstGeom>
+          <a:noFill/>
+          <a:ln>
+            <a:solidFill>
+              <a:schemeClr val="tx1"/>
+            </a:solidFill>
+          </a:ln>
+        </p:spPr>
+        <p:style>
+          <a:lnRef idx="2">
+            <a:schemeClr val="accent1">
+              <a:shade val="50000"/>
+            </a:schemeClr>
+          </a:lnRef>
+          <a:fillRef idx="1">
+            <a:schemeClr val="accent1"/>
+          </a:fillRef>
+          <a:effectRef idx="0">
+            <a:schemeClr val="accent1"/>
+          </a:effectRef>
+          <a:fontRef idx="minor">
+            <a:schemeClr val="lt1"/>
+          </a:fontRef>
+        </p:style>
+        <p:txBody>
+          <a:bodyPr rtlCol="0" anchor="ctr"/>
+          <a:lstStyle/>
+          <a:p>
+            <a:pPr algn="ctr"/>
+            <a:r>
+              <a:rPr lang="en-US" altLang="zh-CN" sz="2000" dirty="0">
+                <a:solidFill>
+                  <a:schemeClr val="tx1"/>
+                </a:solidFill>
+                <a:latin typeface="Times New Roman" panose="02020603050405020304" pitchFamily="18" charset="0"/>
+                <a:ea typeface="宋体" panose="02010600030101010101" pitchFamily="2" charset="-122"/>
+                <a:cs typeface="Times New Roman" panose="02020603050405020304" pitchFamily="18" charset="0"/>
+              </a:rPr>
+              <a:t>M2</a:t>
+            </a:r>
+            <a:endParaRPr lang="zh-CN" altLang="en-US" sz="2000" dirty="0">
+              <a:solidFill>
+                <a:schemeClr val="tx1"/>
+              </a:solidFill>
+              <a:latin typeface="Times New Roman" panose="02020603050405020304" pitchFamily="18" charset="0"/>
+              <a:ea typeface="宋体" panose="02010600030101010101" pitchFamily="2" charset="-122"/>
+              <a:cs typeface="Times New Roman" panose="02020603050405020304" pitchFamily="18" charset="0"/>
+            </a:endParaRPr>
+          </a:p>
+        </p:txBody>
+      </p:sp>
+      <p:cxnSp>
+        <p:nvCxnSpPr>
+          <p:cNvPr id="9" name="直接连接符 8">
+            <a:extLst>
+              <a:ext uri="{FF2B5EF4-FFF2-40B4-BE49-F238E27FC236}">
+                <a16:creationId xmlns:a16="http://schemas.microsoft.com/office/drawing/2014/main" id="{95900A1D-0507-4E43-B357-23433664352F}"/>
+              </a:ext>
+            </a:extLst>
+          </p:cNvPr>
+          <p:cNvCxnSpPr>
+            <a:cxnSpLocks/>
+            <a:stCxn id="2" idx="2"/>
+            <a:endCxn id="5" idx="0"/>
+          </p:cNvCxnSpPr>
+          <p:nvPr/>
+        </p:nvCxnSpPr>
+        <p:spPr>
+          <a:xfrm>
+            <a:off x="2240093" y="1564243"/>
+            <a:ext cx="0" cy="978675"/>
+          </a:xfrm>
+          <a:prstGeom prst="line">
+            <a:avLst/>
+          </a:prstGeom>
+          <a:ln w="19050"/>
+        </p:spPr>
+        <p:style>
+          <a:lnRef idx="1">
+            <a:schemeClr val="dk1"/>
+          </a:lnRef>
+          <a:fillRef idx="0">
+            <a:schemeClr val="dk1"/>
+          </a:fillRef>
+          <a:effectRef idx="0">
+            <a:schemeClr val="dk1"/>
+          </a:effectRef>
+          <a:fontRef idx="minor">
+            <a:schemeClr val="tx1"/>
+          </a:fontRef>
+        </p:style>
+      </p:cxnSp>
+      <p:cxnSp>
+        <p:nvCxnSpPr>
+          <p:cNvPr id="11" name="直接连接符 10">
+            <a:extLst>
+              <a:ext uri="{FF2B5EF4-FFF2-40B4-BE49-F238E27FC236}">
+                <a16:creationId xmlns:a16="http://schemas.microsoft.com/office/drawing/2014/main" id="{95562254-3927-4FAA-920E-4AF32F70E35D}"/>
+              </a:ext>
+            </a:extLst>
+          </p:cNvPr>
+          <p:cNvCxnSpPr>
+            <a:cxnSpLocks/>
+            <a:stCxn id="3" idx="2"/>
+            <a:endCxn id="5" idx="0"/>
+          </p:cNvCxnSpPr>
+          <p:nvPr/>
+        </p:nvCxnSpPr>
+        <p:spPr>
+          <a:xfrm flipH="1">
+            <a:off x="2240093" y="1564243"/>
+            <a:ext cx="1352550" cy="978675"/>
+          </a:xfrm>
+          <a:prstGeom prst="line">
+            <a:avLst/>
+          </a:prstGeom>
+          <a:ln w="19050"/>
+        </p:spPr>
+        <p:style>
+          <a:lnRef idx="1">
+            <a:schemeClr val="dk1"/>
+          </a:lnRef>
+          <a:fillRef idx="0">
+            <a:schemeClr val="dk1"/>
+          </a:fillRef>
+          <a:effectRef idx="0">
+            <a:schemeClr val="dk1"/>
+          </a:effectRef>
+          <a:fontRef idx="minor">
+            <a:schemeClr val="tx1"/>
+          </a:fontRef>
+        </p:style>
+      </p:cxnSp>
+      <p:cxnSp>
+        <p:nvCxnSpPr>
+          <p:cNvPr id="15" name="直接连接符 14">
+            <a:extLst>
+              <a:ext uri="{FF2B5EF4-FFF2-40B4-BE49-F238E27FC236}">
+                <a16:creationId xmlns:a16="http://schemas.microsoft.com/office/drawing/2014/main" id="{BFF0EB27-9FFA-4A8C-98E2-F8BB244C05CE}"/>
+              </a:ext>
+            </a:extLst>
+          </p:cNvPr>
+          <p:cNvCxnSpPr>
+            <a:cxnSpLocks/>
+            <a:stCxn id="4" idx="2"/>
+            <a:endCxn id="6" idx="0"/>
+          </p:cNvCxnSpPr>
+          <p:nvPr/>
+        </p:nvCxnSpPr>
+        <p:spPr>
+          <a:xfrm flipH="1">
+            <a:off x="3592643" y="1564243"/>
+            <a:ext cx="1352550" cy="978675"/>
+          </a:xfrm>
+          <a:prstGeom prst="line">
+            <a:avLst/>
+          </a:prstGeom>
+          <a:ln w="19050"/>
+        </p:spPr>
+        <p:style>
+          <a:lnRef idx="1">
+            <a:schemeClr val="dk1"/>
+          </a:lnRef>
+          <a:fillRef idx="0">
+            <a:schemeClr val="dk1"/>
+          </a:fillRef>
+          <a:effectRef idx="0">
+            <a:schemeClr val="dk1"/>
+          </a:effectRef>
+          <a:fontRef idx="minor">
+            <a:schemeClr val="tx1"/>
+          </a:fontRef>
+        </p:style>
+      </p:cxnSp>
+      <p:cxnSp>
+        <p:nvCxnSpPr>
+          <p:cNvPr id="18" name="直接连接符 17">
+            <a:extLst>
+              <a:ext uri="{FF2B5EF4-FFF2-40B4-BE49-F238E27FC236}">
+                <a16:creationId xmlns:a16="http://schemas.microsoft.com/office/drawing/2014/main" id="{5D1EE842-D1C5-4502-9974-926AA57404DF}"/>
+              </a:ext>
+            </a:extLst>
+          </p:cNvPr>
+          <p:cNvCxnSpPr>
+            <a:cxnSpLocks/>
+            <a:stCxn id="4" idx="2"/>
+            <a:endCxn id="7" idx="0"/>
+          </p:cNvCxnSpPr>
+          <p:nvPr/>
+        </p:nvCxnSpPr>
+        <p:spPr>
+          <a:xfrm>
+            <a:off x="4945193" y="1564243"/>
+            <a:ext cx="0" cy="978675"/>
+          </a:xfrm>
+          <a:prstGeom prst="line">
+            <a:avLst/>
+          </a:prstGeom>
+          <a:ln w="19050"/>
+        </p:spPr>
+        <p:style>
+          <a:lnRef idx="1">
+            <a:schemeClr val="dk1"/>
+          </a:lnRef>
+          <a:fillRef idx="0">
+            <a:schemeClr val="dk1"/>
+          </a:fillRef>
+          <a:effectRef idx="0">
+            <a:schemeClr val="dk1"/>
+          </a:effectRef>
+          <a:fontRef idx="minor">
+            <a:schemeClr val="tx1"/>
+          </a:fontRef>
+        </p:style>
+      </p:cxnSp>
+      <p:sp>
+        <p:nvSpPr>
+          <p:cNvPr id="21" name="文本框 20">
+            <a:extLst>
+              <a:ext uri="{FF2B5EF4-FFF2-40B4-BE49-F238E27FC236}">
+                <a16:creationId xmlns:a16="http://schemas.microsoft.com/office/drawing/2014/main" id="{FBE5D726-6C9A-4CD7-ACE0-18B8368174E2}"/>
+              </a:ext>
+            </a:extLst>
+          </p:cNvPr>
+          <p:cNvSpPr txBox="1"/>
+          <p:nvPr/>
+        </p:nvSpPr>
+        <p:spPr>
+          <a:xfrm>
+            <a:off x="1750215" y="544554"/>
+            <a:ext cx="979755" cy="369332"/>
+          </a:xfrm>
+          <a:prstGeom prst="rect">
+            <a:avLst/>
+          </a:prstGeom>
+          <a:noFill/>
+        </p:spPr>
+        <p:txBody>
+          <a:bodyPr wrap="none" rtlCol="0">
+            <a:spAutoFit/>
+          </a:bodyPr>
+          <a:lstStyle/>
+          <a:p>
+            <a:r>
+              <a:rPr lang="en-US" altLang="zh-CN" dirty="0">
+                <a:latin typeface="Times New Roman" panose="02020603050405020304" pitchFamily="18" charset="0"/>
+                <a:cs typeface="Times New Roman" panose="02020603050405020304" pitchFamily="18" charset="0"/>
+              </a:rPr>
+              <a:t>DCODE</a:t>
+            </a:r>
+            <a:endParaRPr lang="zh-CN" altLang="en-US" dirty="0">
+              <a:latin typeface="Times New Roman" panose="02020603050405020304" pitchFamily="18" charset="0"/>
+              <a:cs typeface="Times New Roman" panose="02020603050405020304" pitchFamily="18" charset="0"/>
+            </a:endParaRPr>
+          </a:p>
+        </p:txBody>
+      </p:sp>
+      <p:sp>
+        <p:nvSpPr>
+          <p:cNvPr id="22" name="文本框 21">
+            <a:extLst>
+              <a:ext uri="{FF2B5EF4-FFF2-40B4-BE49-F238E27FC236}">
+                <a16:creationId xmlns:a16="http://schemas.microsoft.com/office/drawing/2014/main" id="{0BCC1365-B823-4CD7-B946-04A03425155A}"/>
+              </a:ext>
+            </a:extLst>
+          </p:cNvPr>
+          <p:cNvSpPr txBox="1"/>
+          <p:nvPr/>
+        </p:nvSpPr>
+        <p:spPr>
+          <a:xfrm>
+            <a:off x="3147649" y="544554"/>
+            <a:ext cx="889987" cy="369332"/>
+          </a:xfrm>
+          <a:prstGeom prst="rect">
+            <a:avLst/>
+          </a:prstGeom>
+          <a:noFill/>
+        </p:spPr>
+        <p:txBody>
+          <a:bodyPr wrap="none" rtlCol="0">
+            <a:spAutoFit/>
+          </a:bodyPr>
+          <a:lstStyle/>
+          <a:p>
+            <a:r>
+              <a:rPr lang="en-US" altLang="zh-CN" dirty="0">
+                <a:latin typeface="Times New Roman" panose="02020603050405020304" pitchFamily="18" charset="0"/>
+                <a:cs typeface="Times New Roman" panose="02020603050405020304" pitchFamily="18" charset="0"/>
+              </a:rPr>
+              <a:t>ICODE</a:t>
+            </a:r>
+            <a:endParaRPr lang="zh-CN" altLang="en-US" dirty="0">
+              <a:latin typeface="Times New Roman" panose="02020603050405020304" pitchFamily="18" charset="0"/>
+              <a:cs typeface="Times New Roman" panose="02020603050405020304" pitchFamily="18" charset="0"/>
+            </a:endParaRPr>
+          </a:p>
+        </p:txBody>
+      </p:sp>
+      <p:sp>
+        <p:nvSpPr>
+          <p:cNvPr id="23" name="文本框 22">
+            <a:extLst>
+              <a:ext uri="{FF2B5EF4-FFF2-40B4-BE49-F238E27FC236}">
+                <a16:creationId xmlns:a16="http://schemas.microsoft.com/office/drawing/2014/main" id="{9C5FD312-001B-406A-B3C4-9BF6CB7F4F06}"/>
+              </a:ext>
+            </a:extLst>
+          </p:cNvPr>
+          <p:cNvSpPr txBox="1"/>
+          <p:nvPr/>
+        </p:nvSpPr>
+        <p:spPr>
+          <a:xfrm>
+            <a:off x="4639193" y="544554"/>
+            <a:ext cx="607859" cy="369332"/>
+          </a:xfrm>
+          <a:prstGeom prst="rect">
+            <a:avLst/>
+          </a:prstGeom>
+          <a:noFill/>
+        </p:spPr>
+        <p:txBody>
+          <a:bodyPr wrap="none" rtlCol="0">
+            <a:spAutoFit/>
+          </a:bodyPr>
+          <a:lstStyle/>
+          <a:p>
+            <a:r>
+              <a:rPr lang="en-US" altLang="zh-CN" dirty="0">
+                <a:latin typeface="Times New Roman" panose="02020603050405020304" pitchFamily="18" charset="0"/>
+                <a:cs typeface="Times New Roman" panose="02020603050405020304" pitchFamily="18" charset="0"/>
+              </a:rPr>
+              <a:t>SYS</a:t>
+            </a:r>
+          </a:p>
+        </p:txBody>
+      </p:sp>
+      <p:sp>
+        <p:nvSpPr>
+          <p:cNvPr id="24" name="文本框 23">
+            <a:extLst>
+              <a:ext uri="{FF2B5EF4-FFF2-40B4-BE49-F238E27FC236}">
+                <a16:creationId xmlns:a16="http://schemas.microsoft.com/office/drawing/2014/main" id="{BC1CC947-1E56-460F-86B8-5CE3E2CDDBD1}"/>
+              </a:ext>
+            </a:extLst>
+          </p:cNvPr>
+          <p:cNvSpPr txBox="1"/>
+          <p:nvPr/>
+        </p:nvSpPr>
+        <p:spPr>
+          <a:xfrm>
+            <a:off x="1859218" y="3161268"/>
+            <a:ext cx="761747" cy="369332"/>
+          </a:xfrm>
+          <a:prstGeom prst="rect">
+            <a:avLst/>
+          </a:prstGeom>
+          <a:noFill/>
+        </p:spPr>
+        <p:txBody>
+          <a:bodyPr wrap="none" rtlCol="0">
+            <a:spAutoFit/>
+          </a:bodyPr>
+          <a:lstStyle/>
+          <a:p>
+            <a:r>
+              <a:rPr lang="en-US" altLang="zh-CN" dirty="0">
+                <a:latin typeface="Times New Roman" panose="02020603050405020304" pitchFamily="18" charset="0"/>
+                <a:cs typeface="Times New Roman" panose="02020603050405020304" pitchFamily="18" charset="0"/>
+              </a:rPr>
+              <a:t>ITCM</a:t>
+            </a:r>
+            <a:endParaRPr lang="zh-CN" altLang="en-US" dirty="0">
+              <a:latin typeface="Times New Roman" panose="02020603050405020304" pitchFamily="18" charset="0"/>
+              <a:cs typeface="Times New Roman" panose="02020603050405020304" pitchFamily="18" charset="0"/>
+            </a:endParaRPr>
+          </a:p>
+        </p:txBody>
+      </p:sp>
+      <p:sp>
+        <p:nvSpPr>
+          <p:cNvPr id="26" name="文本框 25">
+            <a:extLst>
+              <a:ext uri="{FF2B5EF4-FFF2-40B4-BE49-F238E27FC236}">
+                <a16:creationId xmlns:a16="http://schemas.microsoft.com/office/drawing/2014/main" id="{31F52139-008C-4BF0-8ADB-08B65E9F0CDF}"/>
+              </a:ext>
+            </a:extLst>
+          </p:cNvPr>
+          <p:cNvSpPr txBox="1"/>
+          <p:nvPr/>
+        </p:nvSpPr>
+        <p:spPr>
+          <a:xfrm>
+            <a:off x="3166884" y="3161268"/>
+            <a:ext cx="851515" cy="369332"/>
+          </a:xfrm>
+          <a:prstGeom prst="rect">
+            <a:avLst/>
+          </a:prstGeom>
+          <a:noFill/>
+        </p:spPr>
+        <p:txBody>
+          <a:bodyPr wrap="none" rtlCol="0">
+            <a:spAutoFit/>
+          </a:bodyPr>
+          <a:lstStyle/>
+          <a:p>
+            <a:r>
+              <a:rPr lang="en-US" altLang="zh-CN" dirty="0">
+                <a:latin typeface="Times New Roman" panose="02020603050405020304" pitchFamily="18" charset="0"/>
+                <a:cs typeface="Times New Roman" panose="02020603050405020304" pitchFamily="18" charset="0"/>
+              </a:rPr>
+              <a:t>DTCM</a:t>
+            </a:r>
+            <a:endParaRPr lang="zh-CN" altLang="en-US" dirty="0">
+              <a:latin typeface="Times New Roman" panose="02020603050405020304" pitchFamily="18" charset="0"/>
+              <a:cs typeface="Times New Roman" panose="02020603050405020304" pitchFamily="18" charset="0"/>
+            </a:endParaRPr>
+          </a:p>
+        </p:txBody>
+      </p:sp>
+      <p:sp>
+        <p:nvSpPr>
+          <p:cNvPr id="27" name="文本框 26">
+            <a:extLst>
+              <a:ext uri="{FF2B5EF4-FFF2-40B4-BE49-F238E27FC236}">
+                <a16:creationId xmlns:a16="http://schemas.microsoft.com/office/drawing/2014/main" id="{D307FEEF-DD3C-49B7-9140-4FD4F8AFD7C8}"/>
+              </a:ext>
+            </a:extLst>
+          </p:cNvPr>
+          <p:cNvSpPr txBox="1"/>
+          <p:nvPr/>
+        </p:nvSpPr>
+        <p:spPr>
+          <a:xfrm>
+            <a:off x="4283326" y="3161268"/>
+            <a:ext cx="1319592" cy="369332"/>
+          </a:xfrm>
+          <a:prstGeom prst="rect">
+            <a:avLst/>
+          </a:prstGeom>
+          <a:noFill/>
+        </p:spPr>
+        <p:txBody>
+          <a:bodyPr wrap="none" rtlCol="0">
+            <a:spAutoFit/>
+          </a:bodyPr>
+          <a:lstStyle/>
+          <a:p>
+            <a:r>
+              <a:rPr lang="en-US" altLang="zh-CN" dirty="0">
+                <a:latin typeface="Times New Roman" panose="02020603050405020304" pitchFamily="18" charset="0"/>
+                <a:cs typeface="Times New Roman" panose="02020603050405020304" pitchFamily="18" charset="0"/>
+              </a:rPr>
+              <a:t>APB Bridge</a:t>
+            </a:r>
+            <a:endParaRPr lang="zh-CN" altLang="en-US" dirty="0">
+              <a:latin typeface="Times New Roman" panose="02020603050405020304" pitchFamily="18" charset="0"/>
+              <a:cs typeface="Times New Roman" panose="02020603050405020304" pitchFamily="18" charset="0"/>
+            </a:endParaRPr>
+          </a:p>
+        </p:txBody>
+      </p:sp>
+      <p:sp>
+        <p:nvSpPr>
+          <p:cNvPr id="29" name="文本框 28">
+            <a:extLst>
+              <a:ext uri="{FF2B5EF4-FFF2-40B4-BE49-F238E27FC236}">
+                <a16:creationId xmlns:a16="http://schemas.microsoft.com/office/drawing/2014/main" id="{67652D6A-3E6A-4D67-B0DA-0843AD6F82BC}"/>
+              </a:ext>
+            </a:extLst>
+          </p:cNvPr>
+          <p:cNvSpPr txBox="1"/>
+          <p:nvPr/>
+        </p:nvSpPr>
+        <p:spPr>
+          <a:xfrm>
+            <a:off x="1795097" y="3521593"/>
+            <a:ext cx="889987" cy="400110"/>
+          </a:xfrm>
+          <a:prstGeom prst="rect">
+            <a:avLst/>
+          </a:prstGeom>
+          <a:noFill/>
+        </p:spPr>
+        <p:txBody>
+          <a:bodyPr wrap="none" rtlCol="0">
+            <a:spAutoFit/>
+          </a:bodyPr>
+          <a:lstStyle/>
+          <a:p>
+            <a:r>
+              <a:rPr lang="en-US" altLang="zh-CN" sz="1000" dirty="0">
+                <a:latin typeface="Times New Roman" panose="02020603050405020304" pitchFamily="18" charset="0"/>
+                <a:cs typeface="Times New Roman" panose="02020603050405020304" pitchFamily="18" charset="0"/>
+              </a:rPr>
+              <a:t>0x0000_0000</a:t>
+            </a:r>
+          </a:p>
+          <a:p>
+            <a:r>
+              <a:rPr lang="en-US" altLang="zh-CN" sz="1000" dirty="0">
+                <a:latin typeface="Times New Roman" panose="02020603050405020304" pitchFamily="18" charset="0"/>
+                <a:cs typeface="Times New Roman" panose="02020603050405020304" pitchFamily="18" charset="0"/>
+              </a:rPr>
+              <a:t>-0x0000_ffff</a:t>
+            </a:r>
+            <a:endParaRPr lang="zh-CN" altLang="en-US" sz="1000" dirty="0">
+              <a:latin typeface="Times New Roman" panose="02020603050405020304" pitchFamily="18" charset="0"/>
+              <a:cs typeface="Times New Roman" panose="02020603050405020304" pitchFamily="18" charset="0"/>
+            </a:endParaRPr>
+          </a:p>
+        </p:txBody>
+      </p:sp>
+      <p:sp>
+        <p:nvSpPr>
+          <p:cNvPr id="30" name="文本框 29">
+            <a:extLst>
+              <a:ext uri="{FF2B5EF4-FFF2-40B4-BE49-F238E27FC236}">
+                <a16:creationId xmlns:a16="http://schemas.microsoft.com/office/drawing/2014/main" id="{F67D928A-C158-4D7D-B15F-CC57704E26FF}"/>
+              </a:ext>
+            </a:extLst>
+          </p:cNvPr>
+          <p:cNvSpPr txBox="1"/>
+          <p:nvPr/>
+        </p:nvSpPr>
+        <p:spPr>
+          <a:xfrm>
+            <a:off x="3147647" y="3521593"/>
+            <a:ext cx="889987" cy="400110"/>
+          </a:xfrm>
+          <a:prstGeom prst="rect">
+            <a:avLst/>
+          </a:prstGeom>
+          <a:noFill/>
+        </p:spPr>
+        <p:txBody>
+          <a:bodyPr wrap="none" rtlCol="0">
+            <a:spAutoFit/>
+          </a:bodyPr>
+          <a:lstStyle/>
+          <a:p>
+            <a:r>
+              <a:rPr lang="en-US" altLang="zh-CN" sz="1000" dirty="0">
+                <a:latin typeface="Times New Roman" panose="02020603050405020304" pitchFamily="18" charset="0"/>
+                <a:cs typeface="Times New Roman" panose="02020603050405020304" pitchFamily="18" charset="0"/>
+              </a:rPr>
+              <a:t>0x2000_0000</a:t>
+            </a:r>
+          </a:p>
+          <a:p>
+            <a:r>
+              <a:rPr lang="en-US" altLang="zh-CN" sz="1000" dirty="0">
+                <a:latin typeface="Times New Roman" panose="02020603050405020304" pitchFamily="18" charset="0"/>
+                <a:cs typeface="Times New Roman" panose="02020603050405020304" pitchFamily="18" charset="0"/>
+              </a:rPr>
+              <a:t>-0x2000_ffff</a:t>
+            </a:r>
+            <a:endParaRPr lang="zh-CN" altLang="en-US" sz="1000" dirty="0">
+              <a:latin typeface="Times New Roman" panose="02020603050405020304" pitchFamily="18" charset="0"/>
+              <a:cs typeface="Times New Roman" panose="02020603050405020304" pitchFamily="18" charset="0"/>
+            </a:endParaRPr>
+          </a:p>
+        </p:txBody>
+      </p:sp>
+      <p:sp>
+        <p:nvSpPr>
+          <p:cNvPr id="31" name="文本框 30">
+            <a:extLst>
+              <a:ext uri="{FF2B5EF4-FFF2-40B4-BE49-F238E27FC236}">
+                <a16:creationId xmlns:a16="http://schemas.microsoft.com/office/drawing/2014/main" id="{D7F3198E-FEE6-4A3B-A4F9-1354F95B5AC7}"/>
+              </a:ext>
+            </a:extLst>
+          </p:cNvPr>
+          <p:cNvSpPr txBox="1"/>
+          <p:nvPr/>
+        </p:nvSpPr>
+        <p:spPr>
+          <a:xfrm>
+            <a:off x="4519434" y="3521593"/>
+            <a:ext cx="889987" cy="400110"/>
+          </a:xfrm>
+          <a:prstGeom prst="rect">
+            <a:avLst/>
+          </a:prstGeom>
+          <a:noFill/>
+        </p:spPr>
+        <p:txBody>
+          <a:bodyPr wrap="none" rtlCol="0">
+            <a:spAutoFit/>
+          </a:bodyPr>
+          <a:lstStyle/>
+          <a:p>
+            <a:r>
+              <a:rPr lang="en-US" altLang="zh-CN" sz="1000" dirty="0">
+                <a:latin typeface="Times New Roman" panose="02020603050405020304" pitchFamily="18" charset="0"/>
+                <a:cs typeface="Times New Roman" panose="02020603050405020304" pitchFamily="18" charset="0"/>
+              </a:rPr>
+              <a:t>0x4000_0000</a:t>
+            </a:r>
+          </a:p>
+          <a:p>
+            <a:r>
+              <a:rPr lang="en-US" altLang="zh-CN" sz="1000">
+                <a:latin typeface="Times New Roman" panose="02020603050405020304" pitchFamily="18" charset="0"/>
+                <a:cs typeface="Times New Roman" panose="02020603050405020304" pitchFamily="18" charset="0"/>
+              </a:rPr>
+              <a:t>-0x4fff_</a:t>
+            </a:r>
+            <a:r>
+              <a:rPr lang="en-US" altLang="zh-CN" sz="1000" dirty="0">
+                <a:latin typeface="Times New Roman" panose="02020603050405020304" pitchFamily="18" charset="0"/>
+                <a:cs typeface="Times New Roman" panose="02020603050405020304" pitchFamily="18" charset="0"/>
+              </a:rPr>
+              <a:t>ffff</a:t>
+            </a:r>
+            <a:endParaRPr lang="zh-CN" altLang="en-US" sz="1000" dirty="0">
+              <a:latin typeface="Times New Roman" panose="02020603050405020304" pitchFamily="18" charset="0"/>
+              <a:cs typeface="Times New Roman" panose="02020603050405020304" pitchFamily="18" charset="0"/>
+            </a:endParaRPr>
+          </a:p>
+        </p:txBody>
+      </p:sp>
+    </p:spTree>
+    <p:extLst>
+      <p:ext uri="{BB962C8B-B14F-4D97-AF65-F5344CB8AC3E}">
+        <p14:creationId xmlns:p14="http://schemas.microsoft.com/office/powerpoint/2010/main" val="3516330605"/>
+      </p:ext>
+    </p:extLst>
+  </p:cSld>
+  <p:clrMapOvr>
+    <a:masterClrMapping/>
+  </p:clrMapOvr>
+</p:sld>
+</file>
+
 <file path=ppt/theme/theme1.xml><?xml version="1.0" encoding="utf-8"?>
 <a:theme xmlns:a="http://schemas.openxmlformats.org/drawingml/2006/main" name="Office 主题​​">
   <a:themeElements>
